--- a/Presentation/Traffic Lights Manager.pptx
+++ b/Presentation/Traffic Lights Manager.pptx
@@ -5,7 +5,7 @@
     <p:sldMasterId id="2147483648" r:id="rId1"/>
   </p:sldMasterIdLst>
   <p:notesMasterIdLst>
-    <p:notesMasterId r:id="rId20"/>
+    <p:notesMasterId r:id="rId10"/>
   </p:notesMasterIdLst>
   <p:sldIdLst>
     <p:sldId id="256" r:id="rId2"/>
@@ -13,19 +13,9 @@
     <p:sldId id="257" r:id="rId4"/>
     <p:sldId id="259" r:id="rId5"/>
     <p:sldId id="260" r:id="rId6"/>
-    <p:sldId id="261" r:id="rId7"/>
-    <p:sldId id="266" r:id="rId8"/>
-    <p:sldId id="263" r:id="rId9"/>
-    <p:sldId id="262" r:id="rId10"/>
-    <p:sldId id="264" r:id="rId11"/>
-    <p:sldId id="265" r:id="rId12"/>
-    <p:sldId id="267" r:id="rId13"/>
-    <p:sldId id="273" r:id="rId14"/>
-    <p:sldId id="268" r:id="rId15"/>
-    <p:sldId id="270" r:id="rId16"/>
-    <p:sldId id="269" r:id="rId17"/>
-    <p:sldId id="271" r:id="rId18"/>
-    <p:sldId id="272" r:id="rId19"/>
+    <p:sldId id="268" r:id="rId7"/>
+    <p:sldId id="269" r:id="rId8"/>
+    <p:sldId id="272" r:id="rId9"/>
   </p:sldIdLst>
   <p:sldSz cx="12192000" cy="6858000"/>
   <p:notesSz cx="6858000" cy="9144000"/>
@@ -124,6 +114,11 @@
       </a:defRPr>
     </a:lvl9pPr>
   </p:defaultTextStyle>
+  <p:extLst>
+    <p:ext uri="{EFAFB233-063F-42B5-8137-9DF3F51BA10A}">
+      <p15:sldGuideLst xmlns:p15="http://schemas.microsoft.com/office/powerpoint/2012/main"/>
+    </p:ext>
+  </p:extLst>
 </p:presentation>
 </file>
 
@@ -209,7 +204,7 @@
           <a:p>
             <a:fld id="{5D6E541B-5C5A-4CE0-8BF7-AC2816D5E388}" type="datetimeFigureOut">
               <a:rPr lang="en-US" smtClean="0"/>
-              <a:t>6/28/2016</a:t>
+              <a:t>6/29/2016</a:t>
             </a:fld>
             <a:endParaRPr lang="en-US"/>
           </a:p>
@@ -749,7 +744,7 @@
           <a:p>
             <a:fld id="{86C322D9-F52F-4DEB-9245-234638F82263}" type="datetime1">
               <a:rPr lang="en-US" smtClean="0"/>
-              <a:t>6/28/2016</a:t>
+              <a:t>6/29/2016</a:t>
             </a:fld>
             <a:endParaRPr lang="en-US" dirty="0"/>
           </a:p>
@@ -1090,7 +1085,7 @@
           <a:p>
             <a:fld id="{1F122229-B300-4752-9FAC-E91EFF4773FD}" type="datetime1">
               <a:rPr lang="en-US" smtClean="0"/>
-              <a:t>6/28/2016</a:t>
+              <a:t>6/29/2016</a:t>
             </a:fld>
             <a:endParaRPr lang="en-US" dirty="0"/>
           </a:p>
@@ -1494,7 +1489,7 @@
           <a:p>
             <a:fld id="{2C663F90-6EC4-4FDF-92DD-ED3F0A336165}" type="datetime1">
               <a:rPr lang="en-US" smtClean="0"/>
-              <a:t>6/28/2016</a:t>
+              <a:t>6/29/2016</a:t>
             </a:fld>
             <a:endParaRPr lang="en-US" dirty="0"/>
           </a:p>
@@ -1833,7 +1828,7 @@
           <a:p>
             <a:fld id="{305E5C02-5EB7-4D83-9889-02720FECB055}" type="datetime1">
               <a:rPr lang="en-US" smtClean="0"/>
-              <a:t>6/28/2016</a:t>
+              <a:t>6/29/2016</a:t>
             </a:fld>
             <a:endParaRPr lang="en-US" dirty="0"/>
           </a:p>
@@ -2156,7 +2151,7 @@
           <a:p>
             <a:fld id="{FACC05C5-1DA2-4618-956D-80C3C28EFC0A}" type="datetime1">
               <a:rPr lang="en-US" smtClean="0"/>
-              <a:t>6/28/2016</a:t>
+              <a:t>6/29/2016</a:t>
             </a:fld>
             <a:endParaRPr lang="en-US" dirty="0"/>
           </a:p>
@@ -2555,7 +2550,7 @@
           <a:p>
             <a:fld id="{EB780CF1-B26C-45BA-87C4-5041E24AF9C6}" type="datetime1">
               <a:rPr lang="en-US" smtClean="0"/>
-              <a:t>6/28/2016</a:t>
+              <a:t>6/29/2016</a:t>
             </a:fld>
             <a:endParaRPr lang="en-US" dirty="0"/>
           </a:p>
@@ -2815,7 +2810,7 @@
           <a:p>
             <a:fld id="{2A915BF9-1784-4E0E-B8F9-41DE1865DE97}" type="datetime1">
               <a:rPr lang="en-US" smtClean="0"/>
-              <a:t>6/28/2016</a:t>
+              <a:t>6/29/2016</a:t>
             </a:fld>
             <a:endParaRPr lang="en-US" dirty="0"/>
           </a:p>
@@ -3080,7 +3075,7 @@
           <a:p>
             <a:fld id="{16D67257-D074-4765-B4AD-DD9C4A1E8EA0}" type="datetime1">
               <a:rPr lang="en-US" smtClean="0"/>
-              <a:t>6/28/2016</a:t>
+              <a:t>6/29/2016</a:t>
             </a:fld>
             <a:endParaRPr lang="en-US" dirty="0"/>
           </a:p>
@@ -3345,7 +3340,7 @@
           <a:p>
             <a:fld id="{809BA1AC-2D9B-458E-BEF9-4B0B57FC01F8}" type="datetime1">
               <a:rPr lang="en-US" smtClean="0"/>
-              <a:t>6/28/2016</a:t>
+              <a:t>6/29/2016</a:t>
             </a:fld>
             <a:endParaRPr lang="en-US" dirty="0"/>
           </a:p>
@@ -3677,7 +3672,7 @@
           <a:p>
             <a:fld id="{732F45C0-9B38-47CD-BC8D-CC549FC84D07}" type="datetime1">
               <a:rPr lang="en-US" smtClean="0"/>
-              <a:t>6/28/2016</a:t>
+              <a:t>6/29/2016</a:t>
             </a:fld>
             <a:endParaRPr lang="en-US" dirty="0"/>
           </a:p>
@@ -4003,7 +3998,7 @@
           <a:p>
             <a:fld id="{747D8341-85D8-4964-8B8F-3F4C019CD47C}" type="datetime1">
               <a:rPr lang="en-US" smtClean="0"/>
-              <a:t>6/28/2016</a:t>
+              <a:t>6/29/2016</a:t>
             </a:fld>
             <a:endParaRPr lang="en-US" dirty="0"/>
           </a:p>
@@ -4463,7 +4458,7 @@
           <a:p>
             <a:fld id="{5A314D2B-8421-4950-912D-6358D986611B}" type="datetime1">
               <a:rPr lang="en-US" smtClean="0"/>
-              <a:t>6/28/2016</a:t>
+              <a:t>6/29/2016</a:t>
             </a:fld>
             <a:endParaRPr lang="en-US" dirty="0"/>
           </a:p>
@@ -4671,7 +4666,7 @@
           <a:p>
             <a:fld id="{4B4C10D4-E480-494D-808E-1352889904DF}" type="datetime1">
               <a:rPr lang="en-US" smtClean="0"/>
-              <a:t>6/28/2016</a:t>
+              <a:t>6/29/2016</a:t>
             </a:fld>
             <a:endParaRPr lang="en-US" dirty="0"/>
           </a:p>
@@ -4851,7 +4846,7 @@
           <a:p>
             <a:fld id="{673072B3-94C7-4B94-9734-0E46F0569611}" type="datetime1">
               <a:rPr lang="en-US" smtClean="0"/>
-              <a:t>6/28/2016</a:t>
+              <a:t>6/29/2016</a:t>
             </a:fld>
             <a:endParaRPr lang="en-US" dirty="0"/>
           </a:p>
@@ -5187,7 +5182,7 @@
           <a:p>
             <a:fld id="{DE25D5BC-040D-48BE-9B28-6D356E3F0695}" type="datetime1">
               <a:rPr lang="en-US" smtClean="0"/>
-              <a:t>6/28/2016</a:t>
+              <a:t>6/29/2016</a:t>
             </a:fld>
             <a:endParaRPr lang="en-US" dirty="0"/>
           </a:p>
@@ -5535,7 +5530,7 @@
           <a:p>
             <a:fld id="{52E3FF3E-BAC2-4AA7-9F03-95975BD79E8E}" type="datetime1">
               <a:rPr lang="en-US" smtClean="0"/>
-              <a:t>6/28/2016</a:t>
+              <a:t>6/29/2016</a:t>
             </a:fld>
             <a:endParaRPr lang="en-US" dirty="0"/>
           </a:p>
@@ -7655,7 +7650,7 @@
           <a:p>
             <a:fld id="{69A38C0E-D732-4402-A47E-55C978CE4CBB}" type="datetime1">
               <a:rPr lang="en-US" smtClean="0"/>
-              <a:t>6/28/2016</a:t>
+              <a:t>6/29/2016</a:t>
             </a:fld>
             <a:endParaRPr lang="en-US" dirty="0"/>
           </a:p>
@@ -8255,1326 +8250,18 @@
   <p:clrMapOvr>
     <a:masterClrMapping/>
   </p:clrMapOvr>
-  <mc:AlternateContent xmlns:mc="http://schemas.openxmlformats.org/markup-compatibility/2006">
-    <mc:Choice xmlns:p14="http://schemas.microsoft.com/office/powerpoint/2010/main" Requires="p14">
+  <mc:AlternateContent xmlns:mc="http://schemas.openxmlformats.org/markup-compatibility/2006" xmlns:p14="http://schemas.microsoft.com/office/powerpoint/2010/main">
+    <mc:Choice Requires="p14">
       <p:transition spd="slow" p14:dur="3400">
         <p14:reveal/>
       </p:transition>
     </mc:Choice>
-    <mc:Fallback>
+    <mc:Fallback xmlns="">
       <p:transition spd="slow">
         <p:fade/>
       </p:transition>
     </mc:Fallback>
   </mc:AlternateContent>
-  <p:timing>
-    <p:tnLst>
-      <p:par>
-        <p:cTn id="1" dur="indefinite" restart="never" nodeType="tmRoot"/>
-      </p:par>
-    </p:tnLst>
-  </p:timing>
-</p:sld>
-</file>
-
-<file path=ppt/slides/slide10.xml><?xml version="1.0" encoding="utf-8"?>
-<p:sld xmlns:a="http://schemas.openxmlformats.org/drawingml/2006/main" xmlns:r="http://schemas.openxmlformats.org/officeDocument/2006/relationships" xmlns:p="http://schemas.openxmlformats.org/presentationml/2006/main">
-  <p:cSld>
-    <p:spTree>
-      <p:nvGrpSpPr>
-        <p:cNvPr id="1" name=""/>
-        <p:cNvGrpSpPr/>
-        <p:nvPr/>
-      </p:nvGrpSpPr>
-      <p:grpSpPr>
-        <a:xfrm>
-          <a:off x="0" y="0"/>
-          <a:ext cx="0" cy="0"/>
-          <a:chOff x="0" y="0"/>
-          <a:chExt cx="0" cy="0"/>
-        </a:xfrm>
-      </p:grpSpPr>
-      <p:sp>
-        <p:nvSpPr>
-          <p:cNvPr id="2" name="Title 1"/>
-          <p:cNvSpPr>
-            <a:spLocks noGrp="1"/>
-          </p:cNvSpPr>
-          <p:nvPr>
-            <p:ph type="title"/>
-          </p:nvPr>
-        </p:nvSpPr>
-        <p:spPr/>
-        <p:txBody>
-          <a:bodyPr/>
-          <a:lstStyle/>
-          <a:p>
-            <a:endParaRPr lang="en-US"/>
-          </a:p>
-        </p:txBody>
-      </p:sp>
-      <p:sp>
-        <p:nvSpPr>
-          <p:cNvPr id="4" name="Footer Placeholder 3"/>
-          <p:cNvSpPr>
-            <a:spLocks noGrp="1"/>
-          </p:cNvSpPr>
-          <p:nvPr>
-            <p:ph type="ftr" sz="quarter" idx="11"/>
-          </p:nvPr>
-        </p:nvSpPr>
-        <p:spPr/>
-        <p:txBody>
-          <a:bodyPr/>
-          <a:lstStyle/>
-          <a:p>
-            <a:r>
-              <a:rPr lang="en-US" smtClean="0"/>
-              <a:t>Project Core phase June 2016</a:t>
-            </a:r>
-            <a:endParaRPr lang="en-US" dirty="0"/>
-          </a:p>
-        </p:txBody>
-      </p:sp>
-      <p:pic>
-        <p:nvPicPr>
-          <p:cNvPr id="5" name="Content Placeholder 4" descr="E:\Repositories\trafficLightsProCP\Documents\Design Document - almost\Seq Diagrams new\Create a simulation .png"/>
-          <p:cNvPicPr>
-            <a:picLocks noGrp="1"/>
-          </p:cNvPicPr>
-          <p:nvPr>
-            <p:ph idx="1"/>
-          </p:nvPr>
-        </p:nvPicPr>
-        <p:blipFill>
-          <a:blip r:embed="rId2" cstate="print">
-            <a:extLst>
-              <a:ext uri="{28A0092B-C50C-407E-A947-70E740481C1C}">
-                <a14:useLocalDpi xmlns:a14="http://schemas.microsoft.com/office/drawing/2010/main" val="0"/>
-              </a:ext>
-            </a:extLst>
-          </a:blip>
-          <a:srcRect/>
-          <a:stretch>
-            <a:fillRect/>
-          </a:stretch>
-        </p:blipFill>
-        <p:spPr bwMode="auto">
-          <a:xfrm>
-            <a:off x="3362178" y="1097280"/>
-            <a:ext cx="5932591" cy="4814570"/>
-          </a:xfrm>
-          <a:prstGeom prst="rect">
-            <a:avLst/>
-          </a:prstGeom>
-          <a:noFill/>
-          <a:ln>
-            <a:noFill/>
-          </a:ln>
-          <a:effectLst>
-            <a:softEdge rad="63500"/>
-          </a:effectLst>
-        </p:spPr>
-      </p:pic>
-    </p:spTree>
-    <p:extLst>
-      <p:ext uri="{BB962C8B-B14F-4D97-AF65-F5344CB8AC3E}">
-        <p14:creationId xmlns:p14="http://schemas.microsoft.com/office/powerpoint/2010/main" val="1547192671"/>
-      </p:ext>
-    </p:extLst>
-  </p:cSld>
-  <p:clrMapOvr>
-    <a:masterClrMapping/>
-  </p:clrMapOvr>
-  <p:transition spd="slow">
-    <p:push dir="u"/>
-  </p:transition>
-  <p:timing>
-    <p:tnLst>
-      <p:par>
-        <p:cTn id="1" dur="indefinite" restart="never" nodeType="tmRoot"/>
-      </p:par>
-    </p:tnLst>
-  </p:timing>
-</p:sld>
-</file>
-
-<file path=ppt/slides/slide11.xml><?xml version="1.0" encoding="utf-8"?>
-<p:sld xmlns:a="http://schemas.openxmlformats.org/drawingml/2006/main" xmlns:r="http://schemas.openxmlformats.org/officeDocument/2006/relationships" xmlns:p="http://schemas.openxmlformats.org/presentationml/2006/main">
-  <p:cSld>
-    <p:spTree>
-      <p:nvGrpSpPr>
-        <p:cNvPr id="1" name=""/>
-        <p:cNvGrpSpPr/>
-        <p:nvPr/>
-      </p:nvGrpSpPr>
-      <p:grpSpPr>
-        <a:xfrm>
-          <a:off x="0" y="0"/>
-          <a:ext cx="0" cy="0"/>
-          <a:chOff x="0" y="0"/>
-          <a:chExt cx="0" cy="0"/>
-        </a:xfrm>
-      </p:grpSpPr>
-      <p:sp>
-        <p:nvSpPr>
-          <p:cNvPr id="2" name="Title 1"/>
-          <p:cNvSpPr>
-            <a:spLocks noGrp="1"/>
-          </p:cNvSpPr>
-          <p:nvPr>
-            <p:ph type="title"/>
-          </p:nvPr>
-        </p:nvSpPr>
-        <p:spPr/>
-        <p:txBody>
-          <a:bodyPr/>
-          <a:lstStyle/>
-          <a:p>
-            <a:endParaRPr lang="en-US" dirty="0"/>
-          </a:p>
-        </p:txBody>
-      </p:sp>
-      <p:sp>
-        <p:nvSpPr>
-          <p:cNvPr id="3" name="Content Placeholder 2"/>
-          <p:cNvSpPr>
-            <a:spLocks noGrp="1"/>
-          </p:cNvSpPr>
-          <p:nvPr>
-            <p:ph idx="1"/>
-          </p:nvPr>
-        </p:nvSpPr>
-        <p:spPr/>
-        <p:txBody>
-          <a:bodyPr/>
-          <a:lstStyle/>
-          <a:p>
-            <a:endParaRPr lang="en-US"/>
-          </a:p>
-        </p:txBody>
-      </p:sp>
-      <p:sp>
-        <p:nvSpPr>
-          <p:cNvPr id="4" name="Footer Placeholder 3"/>
-          <p:cNvSpPr>
-            <a:spLocks noGrp="1"/>
-          </p:cNvSpPr>
-          <p:nvPr>
-            <p:ph type="ftr" sz="quarter" idx="11"/>
-          </p:nvPr>
-        </p:nvSpPr>
-        <p:spPr/>
-        <p:txBody>
-          <a:bodyPr/>
-          <a:lstStyle/>
-          <a:p>
-            <a:r>
-              <a:rPr lang="en-US" smtClean="0"/>
-              <a:t>Project Core phase June 2016</a:t>
-            </a:r>
-            <a:endParaRPr lang="en-US" dirty="0"/>
-          </a:p>
-        </p:txBody>
-      </p:sp>
-      <p:sp>
-        <p:nvSpPr>
-          <p:cNvPr id="5" name="Rectangle 4"/>
-          <p:cNvSpPr/>
-          <p:nvPr/>
-        </p:nvSpPr>
-        <p:spPr>
-          <a:xfrm>
-            <a:off x="3080596" y="2967335"/>
-            <a:ext cx="6030818" cy="923330"/>
-          </a:xfrm>
-          <a:prstGeom prst="rect">
-            <a:avLst/>
-          </a:prstGeom>
-          <a:noFill/>
-        </p:spPr>
-        <p:txBody>
-          <a:bodyPr wrap="none" lIns="91440" tIns="45720" rIns="91440" bIns="45720">
-            <a:spAutoFit/>
-          </a:bodyPr>
-          <a:lstStyle/>
-          <a:p>
-            <a:pPr algn="ctr"/>
-            <a:r>
-              <a:rPr lang="en-US" sz="5400" b="1" cap="none" spc="0" dirty="0" smtClean="0">
-                <a:ln w="22225">
-                  <a:solidFill>
-                    <a:schemeClr val="accent2"/>
-                  </a:solidFill>
-                  <a:prstDash val="solid"/>
-                </a:ln>
-                <a:solidFill>
-                  <a:schemeClr val="accent2">
-                    <a:lumMod val="40000"/>
-                    <a:lumOff val="60000"/>
-                  </a:schemeClr>
-                </a:solidFill>
-                <a:effectLst/>
-              </a:rPr>
-              <a:t>Tough story right?</a:t>
-            </a:r>
-            <a:endParaRPr lang="en-US" sz="5400" b="1" cap="none" spc="0" dirty="0">
-              <a:ln w="22225">
-                <a:solidFill>
-                  <a:schemeClr val="accent2"/>
-                </a:solidFill>
-                <a:prstDash val="solid"/>
-              </a:ln>
-              <a:solidFill>
-                <a:schemeClr val="accent2">
-                  <a:lumMod val="40000"/>
-                  <a:lumOff val="60000"/>
-                </a:schemeClr>
-              </a:solidFill>
-              <a:effectLst/>
-            </a:endParaRPr>
-          </a:p>
-        </p:txBody>
-      </p:sp>
-    </p:spTree>
-    <p:extLst>
-      <p:ext uri="{BB962C8B-B14F-4D97-AF65-F5344CB8AC3E}">
-        <p14:creationId xmlns:p14="http://schemas.microsoft.com/office/powerpoint/2010/main" val="394504776"/>
-      </p:ext>
-    </p:extLst>
-  </p:cSld>
-  <p:clrMapOvr>
-    <a:masterClrMapping/>
-  </p:clrMapOvr>
-  <p:transition spd="slow">
-    <p:push dir="u"/>
-  </p:transition>
-  <p:timing>
-    <p:tnLst>
-      <p:par>
-        <p:cTn id="1" dur="indefinite" restart="never" nodeType="tmRoot"/>
-      </p:par>
-    </p:tnLst>
-  </p:timing>
-</p:sld>
-</file>
-
-<file path=ppt/slides/slide12.xml><?xml version="1.0" encoding="utf-8"?>
-<p:sld xmlns:a="http://schemas.openxmlformats.org/drawingml/2006/main" xmlns:r="http://schemas.openxmlformats.org/officeDocument/2006/relationships" xmlns:p="http://schemas.openxmlformats.org/presentationml/2006/main">
-  <p:cSld>
-    <p:spTree>
-      <p:nvGrpSpPr>
-        <p:cNvPr id="1" name=""/>
-        <p:cNvGrpSpPr/>
-        <p:nvPr/>
-      </p:nvGrpSpPr>
-      <p:grpSpPr>
-        <a:xfrm>
-          <a:off x="0" y="0"/>
-          <a:ext cx="0" cy="0"/>
-          <a:chOff x="0" y="0"/>
-          <a:chExt cx="0" cy="0"/>
-        </a:xfrm>
-      </p:grpSpPr>
-      <p:sp>
-        <p:nvSpPr>
-          <p:cNvPr id="2" name="Title 1"/>
-          <p:cNvSpPr>
-            <a:spLocks noGrp="1"/>
-          </p:cNvSpPr>
-          <p:nvPr>
-            <p:ph type="title"/>
-          </p:nvPr>
-        </p:nvSpPr>
-        <p:spPr/>
-        <p:txBody>
-          <a:bodyPr/>
-          <a:lstStyle/>
-          <a:p>
-            <a:r>
-              <a:rPr lang="en-US" dirty="0"/>
-              <a:t>Initializing the project development </a:t>
-            </a:r>
-            <a:br>
-              <a:rPr lang="en-US" dirty="0"/>
-            </a:br>
-            <a:endParaRPr lang="en-US" dirty="0"/>
-          </a:p>
-        </p:txBody>
-      </p:sp>
-      <p:sp>
-        <p:nvSpPr>
-          <p:cNvPr id="3" name="Content Placeholder 2"/>
-          <p:cNvSpPr>
-            <a:spLocks noGrp="1"/>
-          </p:cNvSpPr>
-          <p:nvPr>
-            <p:ph idx="1"/>
-          </p:nvPr>
-        </p:nvSpPr>
-        <p:spPr/>
-        <p:txBody>
-          <a:bodyPr/>
-          <a:lstStyle/>
-          <a:p>
-            <a:r>
-              <a:rPr lang="en-US" dirty="0" smtClean="0"/>
-              <a:t>Considering development tools</a:t>
-            </a:r>
-          </a:p>
-          <a:p>
-            <a:pPr>
-              <a:buFont typeface="+mj-lt"/>
-              <a:buAutoNum type="arabicPeriod"/>
-            </a:pPr>
-            <a:r>
-              <a:rPr lang="en-US" dirty="0" smtClean="0"/>
-              <a:t>Platform</a:t>
-            </a:r>
-          </a:p>
-          <a:p>
-            <a:pPr>
-              <a:buFont typeface="+mj-lt"/>
-              <a:buAutoNum type="arabicPeriod"/>
-            </a:pPr>
-            <a:r>
-              <a:rPr lang="en-US" dirty="0" smtClean="0"/>
-              <a:t>IDE</a:t>
-            </a:r>
-          </a:p>
-          <a:p>
-            <a:pPr>
-              <a:buFont typeface="+mj-lt"/>
-              <a:buAutoNum type="arabicPeriod"/>
-            </a:pPr>
-            <a:r>
-              <a:rPr lang="en-US" dirty="0" smtClean="0"/>
-              <a:t>Language</a:t>
-            </a:r>
-          </a:p>
-          <a:p>
-            <a:pPr>
-              <a:buFont typeface="+mj-lt"/>
-              <a:buAutoNum type="arabicPeriod"/>
-            </a:pPr>
-            <a:r>
-              <a:rPr lang="en-US" dirty="0" smtClean="0"/>
-              <a:t>Techniques and Patterns</a:t>
-            </a:r>
-            <a:endParaRPr lang="en-US" dirty="0"/>
-          </a:p>
-        </p:txBody>
-      </p:sp>
-      <p:sp>
-        <p:nvSpPr>
-          <p:cNvPr id="4" name="Footer Placeholder 3"/>
-          <p:cNvSpPr>
-            <a:spLocks noGrp="1"/>
-          </p:cNvSpPr>
-          <p:nvPr>
-            <p:ph type="ftr" sz="quarter" idx="11"/>
-          </p:nvPr>
-        </p:nvSpPr>
-        <p:spPr/>
-        <p:txBody>
-          <a:bodyPr/>
-          <a:lstStyle/>
-          <a:p>
-            <a:r>
-              <a:rPr lang="en-US" smtClean="0"/>
-              <a:t>Project Core phase June 2016</a:t>
-            </a:r>
-            <a:endParaRPr lang="en-US" dirty="0"/>
-          </a:p>
-        </p:txBody>
-      </p:sp>
-      <p:pic>
-        <p:nvPicPr>
-          <p:cNvPr id="5" name="Picture 4"/>
-          <p:cNvPicPr>
-            <a:picLocks noChangeAspect="1"/>
-          </p:cNvPicPr>
-          <p:nvPr/>
-        </p:nvPicPr>
-        <p:blipFill>
-          <a:blip r:embed="rId2">
-            <a:extLst>
-              <a:ext uri="{28A0092B-C50C-407E-A947-70E740481C1C}">
-                <a14:useLocalDpi xmlns:a14="http://schemas.microsoft.com/office/drawing/2010/main" val="0"/>
-              </a:ext>
-            </a:extLst>
-          </a:blip>
-          <a:stretch>
-            <a:fillRect/>
-          </a:stretch>
-        </p:blipFill>
-        <p:spPr>
-          <a:xfrm>
-            <a:off x="7554351" y="2851148"/>
-            <a:ext cx="3649785" cy="3649785"/>
-          </a:xfrm>
-          <a:prstGeom prst="rect">
-            <a:avLst/>
-          </a:prstGeom>
-        </p:spPr>
-      </p:pic>
-    </p:spTree>
-    <p:extLst>
-      <p:ext uri="{BB962C8B-B14F-4D97-AF65-F5344CB8AC3E}">
-        <p14:creationId xmlns:p14="http://schemas.microsoft.com/office/powerpoint/2010/main" val="607680102"/>
-      </p:ext>
-    </p:extLst>
-  </p:cSld>
-  <p:clrMapOvr>
-    <a:masterClrMapping/>
-  </p:clrMapOvr>
-  <p:transition spd="slow">
-    <p:push dir="u"/>
-  </p:transition>
-  <p:timing>
-    <p:tnLst>
-      <p:par>
-        <p:cTn id="1" dur="indefinite" restart="never" nodeType="tmRoot"/>
-      </p:par>
-    </p:tnLst>
-  </p:timing>
-</p:sld>
-</file>
-
-<file path=ppt/slides/slide13.xml><?xml version="1.0" encoding="utf-8"?>
-<p:sld xmlns:a="http://schemas.openxmlformats.org/drawingml/2006/main" xmlns:r="http://schemas.openxmlformats.org/officeDocument/2006/relationships" xmlns:p="http://schemas.openxmlformats.org/presentationml/2006/main">
-  <p:cSld>
-    <p:spTree>
-      <p:nvGrpSpPr>
-        <p:cNvPr id="1" name=""/>
-        <p:cNvGrpSpPr/>
-        <p:nvPr/>
-      </p:nvGrpSpPr>
-      <p:grpSpPr>
-        <a:xfrm>
-          <a:off x="0" y="0"/>
-          <a:ext cx="0" cy="0"/>
-          <a:chOff x="0" y="0"/>
-          <a:chExt cx="0" cy="0"/>
-        </a:xfrm>
-      </p:grpSpPr>
-      <p:sp>
-        <p:nvSpPr>
-          <p:cNvPr id="2" name="Title 1"/>
-          <p:cNvSpPr>
-            <a:spLocks noGrp="1"/>
-          </p:cNvSpPr>
-          <p:nvPr>
-            <p:ph type="title"/>
-          </p:nvPr>
-        </p:nvSpPr>
-        <p:spPr/>
-        <p:txBody>
-          <a:bodyPr/>
-          <a:lstStyle/>
-          <a:p>
-            <a:endParaRPr lang="en-US"/>
-          </a:p>
-        </p:txBody>
-      </p:sp>
-      <p:pic>
-        <p:nvPicPr>
-          <p:cNvPr id="5" name="Content Placeholder 4"/>
-          <p:cNvPicPr>
-            <a:picLocks noGrp="1" noChangeAspect="1"/>
-          </p:cNvPicPr>
-          <p:nvPr>
-            <p:ph idx="1"/>
-          </p:nvPr>
-        </p:nvPicPr>
-        <p:blipFill>
-          <a:blip r:embed="rId2">
-            <a:extLst>
-              <a:ext uri="{28A0092B-C50C-407E-A947-70E740481C1C}">
-                <a14:useLocalDpi xmlns:a14="http://schemas.microsoft.com/office/drawing/2010/main" val="0"/>
-              </a:ext>
-            </a:extLst>
-          </a:blip>
-          <a:stretch>
-            <a:fillRect/>
-          </a:stretch>
-        </p:blipFill>
-        <p:spPr>
-          <a:xfrm>
-            <a:off x="6399211" y="2131279"/>
-            <a:ext cx="5154821" cy="3778250"/>
-          </a:xfrm>
-        </p:spPr>
-      </p:pic>
-      <p:sp>
-        <p:nvSpPr>
-          <p:cNvPr id="4" name="Footer Placeholder 3"/>
-          <p:cNvSpPr>
-            <a:spLocks noGrp="1"/>
-          </p:cNvSpPr>
-          <p:nvPr>
-            <p:ph type="ftr" sz="quarter" idx="11"/>
-          </p:nvPr>
-        </p:nvSpPr>
-        <p:spPr/>
-        <p:txBody>
-          <a:bodyPr/>
-          <a:lstStyle/>
-          <a:p>
-            <a:r>
-              <a:rPr lang="en-US" smtClean="0"/>
-              <a:t>Project Core phase June 2016</a:t>
-            </a:r>
-            <a:endParaRPr lang="en-US" dirty="0"/>
-          </a:p>
-        </p:txBody>
-      </p:sp>
-      <p:pic>
-        <p:nvPicPr>
-          <p:cNvPr id="6" name="Picture 5"/>
-          <p:cNvPicPr>
-            <a:picLocks noChangeAspect="1"/>
-          </p:cNvPicPr>
-          <p:nvPr/>
-        </p:nvPicPr>
-        <p:blipFill>
-          <a:blip r:embed="rId3">
-            <a:extLst>
-              <a:ext uri="{28A0092B-C50C-407E-A947-70E740481C1C}">
-                <a14:useLocalDpi xmlns:a14="http://schemas.microsoft.com/office/drawing/2010/main" val="0"/>
-              </a:ext>
-            </a:extLst>
-          </a:blip>
-          <a:stretch>
-            <a:fillRect/>
-          </a:stretch>
-        </p:blipFill>
-        <p:spPr>
-          <a:xfrm>
-            <a:off x="1331912" y="2464483"/>
-            <a:ext cx="5715000" cy="2857500"/>
-          </a:xfrm>
-          <a:prstGeom prst="rect">
-            <a:avLst/>
-          </a:prstGeom>
-        </p:spPr>
-      </p:pic>
-    </p:spTree>
-    <p:extLst>
-      <p:ext uri="{BB962C8B-B14F-4D97-AF65-F5344CB8AC3E}">
-        <p14:creationId xmlns:p14="http://schemas.microsoft.com/office/powerpoint/2010/main" val="1546591410"/>
-      </p:ext>
-    </p:extLst>
-  </p:cSld>
-  <p:clrMapOvr>
-    <a:masterClrMapping/>
-  </p:clrMapOvr>
-  <p:transition spd="slow">
-    <p:push dir="u"/>
-  </p:transition>
-  <p:timing>
-    <p:tnLst>
-      <p:par>
-        <p:cTn id="1" dur="indefinite" restart="never" nodeType="tmRoot"/>
-      </p:par>
-    </p:tnLst>
-  </p:timing>
-</p:sld>
-</file>
-
-<file path=ppt/slides/slide14.xml><?xml version="1.0" encoding="utf-8"?>
-<p:sld xmlns:a="http://schemas.openxmlformats.org/drawingml/2006/main" xmlns:r="http://schemas.openxmlformats.org/officeDocument/2006/relationships" xmlns:p="http://schemas.openxmlformats.org/presentationml/2006/main">
-  <p:cSld>
-    <p:spTree>
-      <p:nvGrpSpPr>
-        <p:cNvPr id="1" name=""/>
-        <p:cNvGrpSpPr/>
-        <p:nvPr/>
-      </p:nvGrpSpPr>
-      <p:grpSpPr>
-        <a:xfrm>
-          <a:off x="0" y="0"/>
-          <a:ext cx="0" cy="0"/>
-          <a:chOff x="0" y="0"/>
-          <a:chExt cx="0" cy="0"/>
-        </a:xfrm>
-      </p:grpSpPr>
-      <p:sp>
-        <p:nvSpPr>
-          <p:cNvPr id="2" name="Title 1"/>
-          <p:cNvSpPr>
-            <a:spLocks noGrp="1"/>
-          </p:cNvSpPr>
-          <p:nvPr>
-            <p:ph type="title"/>
-          </p:nvPr>
-        </p:nvSpPr>
-        <p:spPr/>
-        <p:txBody>
-          <a:bodyPr/>
-          <a:lstStyle/>
-          <a:p>
-            <a:r>
-              <a:rPr lang="en-US" dirty="0" smtClean="0"/>
-              <a:t>Final solution</a:t>
-            </a:r>
-            <a:endParaRPr lang="en-US" dirty="0"/>
-          </a:p>
-        </p:txBody>
-      </p:sp>
-      <p:sp>
-        <p:nvSpPr>
-          <p:cNvPr id="3" name="Content Placeholder 2"/>
-          <p:cNvSpPr>
-            <a:spLocks noGrp="1"/>
-          </p:cNvSpPr>
-          <p:nvPr>
-            <p:ph idx="1"/>
-          </p:nvPr>
-        </p:nvSpPr>
-        <p:spPr/>
-        <p:txBody>
-          <a:bodyPr/>
-          <a:lstStyle/>
-          <a:p>
-            <a:r>
-              <a:rPr lang="en-US" dirty="0" smtClean="0"/>
-              <a:t>Main functional parts:</a:t>
-            </a:r>
-          </a:p>
-          <a:p>
-            <a:pPr>
-              <a:buFont typeface="+mj-lt"/>
-              <a:buAutoNum type="arabicPeriod"/>
-            </a:pPr>
-            <a:r>
-              <a:rPr lang="en-US" dirty="0" smtClean="0"/>
-              <a:t>Real life traffic simulation</a:t>
-            </a:r>
-          </a:p>
-          <a:p>
-            <a:pPr>
-              <a:buFont typeface="+mj-lt"/>
-              <a:buAutoNum type="arabicPeriod"/>
-            </a:pPr>
-            <a:r>
-              <a:rPr lang="en-US" dirty="0" smtClean="0"/>
-              <a:t>Three different types of crossroads</a:t>
-            </a:r>
-          </a:p>
-          <a:p>
-            <a:pPr>
-              <a:buFont typeface="+mj-lt"/>
-              <a:buAutoNum type="arabicPeriod"/>
-            </a:pPr>
-            <a:r>
-              <a:rPr lang="en-US" dirty="0" smtClean="0"/>
-              <a:t>Nine free slots for crossroads</a:t>
-            </a:r>
-          </a:p>
-          <a:p>
-            <a:pPr>
-              <a:buFont typeface="+mj-lt"/>
-              <a:buAutoNum type="arabicPeriod"/>
-            </a:pPr>
-            <a:r>
-              <a:rPr lang="en-US" dirty="0" smtClean="0"/>
-              <a:t>Traffic lights</a:t>
-            </a:r>
-          </a:p>
-        </p:txBody>
-      </p:sp>
-      <p:sp>
-        <p:nvSpPr>
-          <p:cNvPr id="4" name="Footer Placeholder 3"/>
-          <p:cNvSpPr>
-            <a:spLocks noGrp="1"/>
-          </p:cNvSpPr>
-          <p:nvPr>
-            <p:ph type="ftr" sz="quarter" idx="11"/>
-          </p:nvPr>
-        </p:nvSpPr>
-        <p:spPr/>
-        <p:txBody>
-          <a:bodyPr/>
-          <a:lstStyle/>
-          <a:p>
-            <a:r>
-              <a:rPr lang="en-US" smtClean="0"/>
-              <a:t>Project Core phase June 2016</a:t>
-            </a:r>
-            <a:endParaRPr lang="en-US" dirty="0"/>
-          </a:p>
-        </p:txBody>
-      </p:sp>
-    </p:spTree>
-    <p:extLst>
-      <p:ext uri="{BB962C8B-B14F-4D97-AF65-F5344CB8AC3E}">
-        <p14:creationId xmlns:p14="http://schemas.microsoft.com/office/powerpoint/2010/main" val="2818828938"/>
-      </p:ext>
-    </p:extLst>
-  </p:cSld>
-  <p:clrMapOvr>
-    <a:masterClrMapping/>
-  </p:clrMapOvr>
-  <p:transition spd="slow">
-    <p:push dir="u"/>
-  </p:transition>
-  <p:timing>
-    <p:tnLst>
-      <p:par>
-        <p:cTn id="1" dur="indefinite" restart="never" nodeType="tmRoot"/>
-      </p:par>
-    </p:tnLst>
-  </p:timing>
-</p:sld>
-</file>
-
-<file path=ppt/slides/slide15.xml><?xml version="1.0" encoding="utf-8"?>
-<p:sld xmlns:a="http://schemas.openxmlformats.org/drawingml/2006/main" xmlns:r="http://schemas.openxmlformats.org/officeDocument/2006/relationships" xmlns:p="http://schemas.openxmlformats.org/presentationml/2006/main">
-  <p:cSld>
-    <p:spTree>
-      <p:nvGrpSpPr>
-        <p:cNvPr id="1" name=""/>
-        <p:cNvGrpSpPr/>
-        <p:nvPr/>
-      </p:nvGrpSpPr>
-      <p:grpSpPr>
-        <a:xfrm>
-          <a:off x="0" y="0"/>
-          <a:ext cx="0" cy="0"/>
-          <a:chOff x="0" y="0"/>
-          <a:chExt cx="0" cy="0"/>
-        </a:xfrm>
-      </p:grpSpPr>
-      <p:sp>
-        <p:nvSpPr>
-          <p:cNvPr id="2" name="Title 1"/>
-          <p:cNvSpPr>
-            <a:spLocks noGrp="1"/>
-          </p:cNvSpPr>
-          <p:nvPr>
-            <p:ph type="title"/>
-          </p:nvPr>
-        </p:nvSpPr>
-        <p:spPr/>
-        <p:txBody>
-          <a:bodyPr/>
-          <a:lstStyle/>
-          <a:p>
-            <a:endParaRPr lang="en-US"/>
-          </a:p>
-        </p:txBody>
-      </p:sp>
-      <p:pic>
-        <p:nvPicPr>
-          <p:cNvPr id="5" name="Content Placeholder 4"/>
-          <p:cNvPicPr>
-            <a:picLocks noGrp="1" noChangeAspect="1"/>
-          </p:cNvPicPr>
-          <p:nvPr>
-            <p:ph idx="1"/>
-          </p:nvPr>
-        </p:nvPicPr>
-        <p:blipFill>
-          <a:blip r:embed="rId2">
-            <a:extLst>
-              <a:ext uri="{28A0092B-C50C-407E-A947-70E740481C1C}">
-                <a14:useLocalDpi xmlns:a14="http://schemas.microsoft.com/office/drawing/2010/main" val="0"/>
-              </a:ext>
-            </a:extLst>
-          </a:blip>
-          <a:stretch>
-            <a:fillRect/>
-          </a:stretch>
-        </p:blipFill>
-        <p:spPr>
-          <a:xfrm>
-            <a:off x="4274721" y="2133600"/>
-            <a:ext cx="5544384" cy="3778250"/>
-          </a:xfrm>
-        </p:spPr>
-      </p:pic>
-      <p:sp>
-        <p:nvSpPr>
-          <p:cNvPr id="4" name="Footer Placeholder 3"/>
-          <p:cNvSpPr>
-            <a:spLocks noGrp="1"/>
-          </p:cNvSpPr>
-          <p:nvPr>
-            <p:ph type="ftr" sz="quarter" idx="11"/>
-          </p:nvPr>
-        </p:nvSpPr>
-        <p:spPr/>
-        <p:txBody>
-          <a:bodyPr/>
-          <a:lstStyle/>
-          <a:p>
-            <a:r>
-              <a:rPr lang="en-US" smtClean="0"/>
-              <a:t>Project Core phase June 2016</a:t>
-            </a:r>
-            <a:endParaRPr lang="en-US" dirty="0"/>
-          </a:p>
-        </p:txBody>
-      </p:sp>
-    </p:spTree>
-    <p:extLst>
-      <p:ext uri="{BB962C8B-B14F-4D97-AF65-F5344CB8AC3E}">
-        <p14:creationId xmlns:p14="http://schemas.microsoft.com/office/powerpoint/2010/main" val="2679645640"/>
-      </p:ext>
-    </p:extLst>
-  </p:cSld>
-  <p:clrMapOvr>
-    <a:masterClrMapping/>
-  </p:clrMapOvr>
-  <p:transition spd="slow">
-    <p:push dir="u"/>
-  </p:transition>
-  <p:timing>
-    <p:tnLst>
-      <p:par>
-        <p:cTn id="1" dur="indefinite" restart="never" nodeType="tmRoot"/>
-      </p:par>
-    </p:tnLst>
-  </p:timing>
-</p:sld>
-</file>
-
-<file path=ppt/slides/slide16.xml><?xml version="1.0" encoding="utf-8"?>
-<p:sld xmlns:a="http://schemas.openxmlformats.org/drawingml/2006/main" xmlns:r="http://schemas.openxmlformats.org/officeDocument/2006/relationships" xmlns:p="http://schemas.openxmlformats.org/presentationml/2006/main">
-  <p:cSld>
-    <p:spTree>
-      <p:nvGrpSpPr>
-        <p:cNvPr id="1" name=""/>
-        <p:cNvGrpSpPr/>
-        <p:nvPr/>
-      </p:nvGrpSpPr>
-      <p:grpSpPr>
-        <a:xfrm>
-          <a:off x="0" y="0"/>
-          <a:ext cx="0" cy="0"/>
-          <a:chOff x="0" y="0"/>
-          <a:chExt cx="0" cy="0"/>
-        </a:xfrm>
-      </p:grpSpPr>
-      <p:sp>
-        <p:nvSpPr>
-          <p:cNvPr id="2" name="Title 1"/>
-          <p:cNvSpPr>
-            <a:spLocks noGrp="1"/>
-          </p:cNvSpPr>
-          <p:nvPr>
-            <p:ph type="title"/>
-          </p:nvPr>
-        </p:nvSpPr>
-        <p:spPr/>
-        <p:txBody>
-          <a:bodyPr/>
-          <a:lstStyle/>
-          <a:p>
-            <a:r>
-              <a:rPr lang="en-US" dirty="0" smtClean="0"/>
-              <a:t>Final solution </a:t>
-            </a:r>
-            <a:endParaRPr lang="en-US" dirty="0"/>
-          </a:p>
-        </p:txBody>
-      </p:sp>
-      <p:sp>
-        <p:nvSpPr>
-          <p:cNvPr id="3" name="Content Placeholder 2"/>
-          <p:cNvSpPr>
-            <a:spLocks noGrp="1"/>
-          </p:cNvSpPr>
-          <p:nvPr>
-            <p:ph idx="1"/>
-          </p:nvPr>
-        </p:nvSpPr>
-        <p:spPr/>
-        <p:txBody>
-          <a:bodyPr/>
-          <a:lstStyle/>
-          <a:p>
-            <a:r>
-              <a:rPr lang="en-US" dirty="0"/>
-              <a:t>Easy to change and modify</a:t>
-            </a:r>
-          </a:p>
-          <a:p>
-            <a:r>
-              <a:rPr lang="en-US" dirty="0"/>
-              <a:t>Undo/ Redo </a:t>
-            </a:r>
-          </a:p>
-          <a:p>
-            <a:r>
-              <a:rPr lang="en-US" dirty="0"/>
-              <a:t>Set simulation speed</a:t>
-            </a:r>
-          </a:p>
-          <a:p>
-            <a:r>
-              <a:rPr lang="en-US" dirty="0" smtClean="0"/>
-              <a:t>Save/Load grid</a:t>
-            </a:r>
-          </a:p>
-          <a:p>
-            <a:r>
-              <a:rPr lang="en-US" dirty="0" smtClean="0"/>
-              <a:t>Save results</a:t>
-            </a:r>
-          </a:p>
-          <a:p>
-            <a:pPr>
-              <a:buFont typeface="+mj-lt"/>
-              <a:buAutoNum type="arabicPeriod"/>
-            </a:pPr>
-            <a:r>
-              <a:rPr lang="en-US" dirty="0" smtClean="0"/>
-              <a:t>Export to Excel!</a:t>
-            </a:r>
-          </a:p>
-          <a:p>
-            <a:pPr>
-              <a:buFont typeface="+mj-lt"/>
-              <a:buAutoNum type="arabicPeriod"/>
-            </a:pPr>
-            <a:r>
-              <a:rPr lang="en-US" dirty="0" smtClean="0"/>
-              <a:t>Make a screenshot!</a:t>
-            </a:r>
-            <a:endParaRPr lang="en-US" dirty="0"/>
-          </a:p>
-        </p:txBody>
-      </p:sp>
-      <p:sp>
-        <p:nvSpPr>
-          <p:cNvPr id="4" name="Footer Placeholder 3"/>
-          <p:cNvSpPr>
-            <a:spLocks noGrp="1"/>
-          </p:cNvSpPr>
-          <p:nvPr>
-            <p:ph type="ftr" sz="quarter" idx="11"/>
-          </p:nvPr>
-        </p:nvSpPr>
-        <p:spPr/>
-        <p:txBody>
-          <a:bodyPr/>
-          <a:lstStyle/>
-          <a:p>
-            <a:r>
-              <a:rPr lang="en-US" smtClean="0"/>
-              <a:t>Project Core phase June 2016</a:t>
-            </a:r>
-            <a:endParaRPr lang="en-US" dirty="0"/>
-          </a:p>
-        </p:txBody>
-      </p:sp>
-    </p:spTree>
-    <p:extLst>
-      <p:ext uri="{BB962C8B-B14F-4D97-AF65-F5344CB8AC3E}">
-        <p14:creationId xmlns:p14="http://schemas.microsoft.com/office/powerpoint/2010/main" val="3913894660"/>
-      </p:ext>
-    </p:extLst>
-  </p:cSld>
-  <p:clrMapOvr>
-    <a:masterClrMapping/>
-  </p:clrMapOvr>
-  <p:transition spd="slow">
-    <p:push dir="u"/>
-  </p:transition>
-  <p:timing>
-    <p:tnLst>
-      <p:par>
-        <p:cTn id="1" dur="indefinite" restart="never" nodeType="tmRoot"/>
-      </p:par>
-    </p:tnLst>
-  </p:timing>
-</p:sld>
-</file>
-
-<file path=ppt/slides/slide17.xml><?xml version="1.0" encoding="utf-8"?>
-<p:sld xmlns:a="http://schemas.openxmlformats.org/drawingml/2006/main" xmlns:r="http://schemas.openxmlformats.org/officeDocument/2006/relationships" xmlns:p="http://schemas.openxmlformats.org/presentationml/2006/main">
-  <p:cSld>
-    <p:spTree>
-      <p:nvGrpSpPr>
-        <p:cNvPr id="1" name=""/>
-        <p:cNvGrpSpPr/>
-        <p:nvPr/>
-      </p:nvGrpSpPr>
-      <p:grpSpPr>
-        <a:xfrm>
-          <a:off x="0" y="0"/>
-          <a:ext cx="0" cy="0"/>
-          <a:chOff x="0" y="0"/>
-          <a:chExt cx="0" cy="0"/>
-        </a:xfrm>
-      </p:grpSpPr>
-      <p:sp>
-        <p:nvSpPr>
-          <p:cNvPr id="2" name="Title 1"/>
-          <p:cNvSpPr>
-            <a:spLocks noGrp="1"/>
-          </p:cNvSpPr>
-          <p:nvPr>
-            <p:ph type="title"/>
-          </p:nvPr>
-        </p:nvSpPr>
-        <p:spPr/>
-        <p:txBody>
-          <a:bodyPr/>
-          <a:lstStyle/>
-          <a:p>
-            <a:endParaRPr lang="en-US"/>
-          </a:p>
-        </p:txBody>
-      </p:sp>
-      <p:pic>
-        <p:nvPicPr>
-          <p:cNvPr id="5" name="Content Placeholder 4"/>
-          <p:cNvPicPr>
-            <a:picLocks noGrp="1" noChangeAspect="1"/>
-          </p:cNvPicPr>
-          <p:nvPr>
-            <p:ph idx="1"/>
-          </p:nvPr>
-        </p:nvPicPr>
-        <p:blipFill>
-          <a:blip r:embed="rId2">
-            <a:extLst>
-              <a:ext uri="{28A0092B-C50C-407E-A947-70E740481C1C}">
-                <a14:useLocalDpi xmlns:a14="http://schemas.microsoft.com/office/drawing/2010/main" val="0"/>
-              </a:ext>
-            </a:extLst>
-          </a:blip>
-          <a:stretch>
-            <a:fillRect/>
-          </a:stretch>
-        </p:blipFill>
-        <p:spPr>
-          <a:xfrm>
-            <a:off x="3412199" y="2133600"/>
-            <a:ext cx="7269428" cy="3778250"/>
-          </a:xfrm>
-        </p:spPr>
-      </p:pic>
-      <p:sp>
-        <p:nvSpPr>
-          <p:cNvPr id="4" name="Footer Placeholder 3"/>
-          <p:cNvSpPr>
-            <a:spLocks noGrp="1"/>
-          </p:cNvSpPr>
-          <p:nvPr>
-            <p:ph type="ftr" sz="quarter" idx="11"/>
-          </p:nvPr>
-        </p:nvSpPr>
-        <p:spPr/>
-        <p:txBody>
-          <a:bodyPr/>
-          <a:lstStyle/>
-          <a:p>
-            <a:r>
-              <a:rPr lang="en-US" smtClean="0"/>
-              <a:t>Project Core phase June 2016</a:t>
-            </a:r>
-            <a:endParaRPr lang="en-US" dirty="0"/>
-          </a:p>
-        </p:txBody>
-      </p:sp>
-    </p:spTree>
-    <p:extLst>
-      <p:ext uri="{BB962C8B-B14F-4D97-AF65-F5344CB8AC3E}">
-        <p14:creationId xmlns:p14="http://schemas.microsoft.com/office/powerpoint/2010/main" val="225524634"/>
-      </p:ext>
-    </p:extLst>
-  </p:cSld>
-  <p:clrMapOvr>
-    <a:masterClrMapping/>
-  </p:clrMapOvr>
-  <p:transition spd="slow">
-    <p:push dir="u"/>
-  </p:transition>
-  <p:timing>
-    <p:tnLst>
-      <p:par>
-        <p:cTn id="1" dur="indefinite" restart="never" nodeType="tmRoot"/>
-      </p:par>
-    </p:tnLst>
-  </p:timing>
-</p:sld>
-</file>
-
-<file path=ppt/slides/slide18.xml><?xml version="1.0" encoding="utf-8"?>
-<p:sld xmlns:a="http://schemas.openxmlformats.org/drawingml/2006/main" xmlns:r="http://schemas.openxmlformats.org/officeDocument/2006/relationships" xmlns:p="http://schemas.openxmlformats.org/presentationml/2006/main">
-  <p:cSld>
-    <p:spTree>
-      <p:nvGrpSpPr>
-        <p:cNvPr id="1" name=""/>
-        <p:cNvGrpSpPr/>
-        <p:nvPr/>
-      </p:nvGrpSpPr>
-      <p:grpSpPr>
-        <a:xfrm>
-          <a:off x="0" y="0"/>
-          <a:ext cx="0" cy="0"/>
-          <a:chOff x="0" y="0"/>
-          <a:chExt cx="0" cy="0"/>
-        </a:xfrm>
-      </p:grpSpPr>
-      <p:sp>
-        <p:nvSpPr>
-          <p:cNvPr id="2" name="Title 1"/>
-          <p:cNvSpPr>
-            <a:spLocks noGrp="1"/>
-          </p:cNvSpPr>
-          <p:nvPr>
-            <p:ph type="title"/>
-          </p:nvPr>
-        </p:nvSpPr>
-        <p:spPr/>
-        <p:txBody>
-          <a:bodyPr/>
-          <a:lstStyle/>
-          <a:p>
-            <a:endParaRPr lang="en-US"/>
-          </a:p>
-        </p:txBody>
-      </p:sp>
-      <p:sp>
-        <p:nvSpPr>
-          <p:cNvPr id="3" name="Content Placeholder 2"/>
-          <p:cNvSpPr>
-            <a:spLocks noGrp="1"/>
-          </p:cNvSpPr>
-          <p:nvPr>
-            <p:ph idx="1"/>
-          </p:nvPr>
-        </p:nvSpPr>
-        <p:spPr/>
-        <p:txBody>
-          <a:bodyPr/>
-          <a:lstStyle/>
-          <a:p>
-            <a:endParaRPr lang="en-US" dirty="0"/>
-          </a:p>
-        </p:txBody>
-      </p:sp>
-      <p:sp>
-        <p:nvSpPr>
-          <p:cNvPr id="4" name="Footer Placeholder 3"/>
-          <p:cNvSpPr>
-            <a:spLocks noGrp="1"/>
-          </p:cNvSpPr>
-          <p:nvPr>
-            <p:ph type="ftr" sz="quarter" idx="11"/>
-          </p:nvPr>
-        </p:nvSpPr>
-        <p:spPr/>
-        <p:txBody>
-          <a:bodyPr/>
-          <a:lstStyle/>
-          <a:p>
-            <a:r>
-              <a:rPr lang="en-US" smtClean="0"/>
-              <a:t>Project Core phase June 2016</a:t>
-            </a:r>
-            <a:endParaRPr lang="en-US" dirty="0"/>
-          </a:p>
-        </p:txBody>
-      </p:sp>
-      <p:sp>
-        <p:nvSpPr>
-          <p:cNvPr id="5" name="Rectangle 4"/>
-          <p:cNvSpPr/>
-          <p:nvPr/>
-        </p:nvSpPr>
-        <p:spPr>
-          <a:xfrm>
-            <a:off x="2781634" y="2967335"/>
-            <a:ext cx="6628739" cy="1754326"/>
-          </a:xfrm>
-          <a:prstGeom prst="rect">
-            <a:avLst/>
-          </a:prstGeom>
-          <a:noFill/>
-        </p:spPr>
-        <p:txBody>
-          <a:bodyPr wrap="none" lIns="91440" tIns="45720" rIns="91440" bIns="45720">
-            <a:spAutoFit/>
-          </a:bodyPr>
-          <a:lstStyle/>
-          <a:p>
-            <a:pPr algn="ctr"/>
-            <a:r>
-              <a:rPr lang="en-US" sz="5400" b="1" cap="none" spc="0" dirty="0" smtClean="0">
-                <a:ln w="22225">
-                  <a:solidFill>
-                    <a:schemeClr val="accent2"/>
-                  </a:solidFill>
-                  <a:prstDash val="solid"/>
-                </a:ln>
-                <a:solidFill>
-                  <a:schemeClr val="accent2">
-                    <a:lumMod val="40000"/>
-                    <a:lumOff val="60000"/>
-                  </a:schemeClr>
-                </a:solidFill>
-                <a:effectLst/>
-              </a:rPr>
-              <a:t>Seems cool right?</a:t>
-            </a:r>
-          </a:p>
-          <a:p>
-            <a:pPr algn="ctr"/>
-            <a:r>
-              <a:rPr lang="en-US" sz="5400" b="1" dirty="0" smtClean="0">
-                <a:ln w="22225">
-                  <a:solidFill>
-                    <a:schemeClr val="accent2"/>
-                  </a:solidFill>
-                  <a:prstDash val="solid"/>
-                </a:ln>
-                <a:solidFill>
-                  <a:schemeClr val="accent2">
-                    <a:lumMod val="40000"/>
-                    <a:lumOff val="60000"/>
-                  </a:schemeClr>
-                </a:solidFill>
-              </a:rPr>
-              <a:t>Then let us demo it!</a:t>
-            </a:r>
-            <a:endParaRPr lang="en-US" sz="5400" b="1" cap="none" spc="0" dirty="0">
-              <a:ln w="22225">
-                <a:solidFill>
-                  <a:schemeClr val="accent2"/>
-                </a:solidFill>
-                <a:prstDash val="solid"/>
-              </a:ln>
-              <a:solidFill>
-                <a:schemeClr val="accent2">
-                  <a:lumMod val="40000"/>
-                  <a:lumOff val="60000"/>
-                </a:schemeClr>
-              </a:solidFill>
-              <a:effectLst/>
-            </a:endParaRPr>
-          </a:p>
-        </p:txBody>
-      </p:sp>
-    </p:spTree>
-    <p:extLst>
-      <p:ext uri="{BB962C8B-B14F-4D97-AF65-F5344CB8AC3E}">
-        <p14:creationId xmlns:p14="http://schemas.microsoft.com/office/powerpoint/2010/main" val="2362086543"/>
-      </p:ext>
-    </p:extLst>
-  </p:cSld>
-  <p:clrMapOvr>
-    <a:masterClrMapping/>
-  </p:clrMapOvr>
-  <p:transition spd="slow">
-    <p:push dir="u"/>
-  </p:transition>
   <p:timing>
     <p:tnLst>
       <p:par>
@@ -10092,26 +8779,16 @@
           <a:p>
             <a:r>
               <a:rPr lang="en-US" dirty="0" smtClean="0"/>
-              <a:t>Gathering requirements from the client</a:t>
-            </a:r>
+              <a:t>Process of development</a:t>
+            </a:r>
+            <a:endParaRPr lang="en-US" dirty="0" smtClean="0"/>
           </a:p>
           <a:p>
             <a:r>
               <a:rPr lang="en-US" dirty="0" smtClean="0"/>
-              <a:t>Preparation of documents and agreements </a:t>
-            </a:r>
-          </a:p>
-          <a:p>
-            <a:r>
-              <a:rPr lang="en-US" dirty="0" smtClean="0"/>
-              <a:t>Initializing the project development </a:t>
-            </a:r>
-          </a:p>
-          <a:p>
-            <a:r>
-              <a:rPr lang="en-US" dirty="0" smtClean="0"/>
-              <a:t>Final solution</a:t>
-            </a:r>
+              <a:t>Our solution</a:t>
+            </a:r>
+            <a:endParaRPr lang="en-US" dirty="0" smtClean="0"/>
           </a:p>
           <a:p>
             <a:r>
@@ -10455,7 +9132,7 @@
           <a:p>
             <a:r>
               <a:rPr lang="en-US" dirty="0" smtClean="0"/>
-              <a:t>Gathering requirements from the client</a:t>
+              <a:t>Final solution</a:t>
             </a:r>
             <a:endParaRPr lang="en-US" dirty="0"/>
           </a:p>
@@ -10473,14 +9150,12 @@
         </p:nvSpPr>
         <p:spPr/>
         <p:txBody>
-          <a:bodyPr>
-            <a:normAutofit/>
-          </a:bodyPr>
+          <a:bodyPr/>
           <a:lstStyle/>
           <a:p>
             <a:r>
               <a:rPr lang="en-US" dirty="0" smtClean="0"/>
-              <a:t>Assured by:</a:t>
+              <a:t>Main functional parts:</a:t>
             </a:r>
           </a:p>
           <a:p>
@@ -10490,7 +9165,7 @@
             </a:pPr>
             <a:r>
               <a:rPr lang="en-US" dirty="0" smtClean="0"/>
-              <a:t>Regular meetings</a:t>
+              <a:t>Real life traffic simulation</a:t>
             </a:r>
           </a:p>
           <a:p>
@@ -10500,7 +9175,7 @@
             </a:pPr>
             <a:r>
               <a:rPr lang="en-US" dirty="0" smtClean="0"/>
-              <a:t>Proper arrangements</a:t>
+              <a:t>Three different types of crossroads</a:t>
             </a:r>
           </a:p>
           <a:p>
@@ -10510,7 +9185,7 @@
             </a:pPr>
             <a:r>
               <a:rPr lang="en-US" dirty="0" smtClean="0"/>
-              <a:t>Keeping minutes</a:t>
+              <a:t>Nine free slots for crossroads</a:t>
             </a:r>
           </a:p>
           <a:p>
@@ -10520,7 +9195,7 @@
             </a:pPr>
             <a:r>
               <a:rPr lang="en-US" dirty="0" smtClean="0"/>
-              <a:t>Preparing agendas</a:t>
+              <a:t>Traffic lights</a:t>
             </a:r>
           </a:p>
         </p:txBody>
@@ -10551,7 +9226,7 @@
     </p:spTree>
     <p:extLst>
       <p:ext uri="{BB962C8B-B14F-4D97-AF65-F5344CB8AC3E}">
-        <p14:creationId xmlns:p14="http://schemas.microsoft.com/office/powerpoint/2010/main" val="2410313942"/>
+        <p14:creationId xmlns:p14="http://schemas.microsoft.com/office/powerpoint/2010/main" val="2818828938"/>
       </p:ext>
     </p:extLst>
   </p:cSld>
@@ -10600,40 +9275,59 @@
         </p:nvSpPr>
         <p:spPr/>
         <p:txBody>
-          <a:bodyPr>
-            <a:normAutofit fontScale="90000"/>
-          </a:bodyPr>
+          <a:bodyPr/>
+          <a:lstStyle/>
+          <a:p>
+            <a:r>
+              <a:rPr lang="en-US" dirty="0" smtClean="0"/>
+              <a:t>Final solution </a:t>
+            </a:r>
+            <a:endParaRPr lang="en-US" dirty="0"/>
+          </a:p>
+        </p:txBody>
+      </p:sp>
+      <p:sp>
+        <p:nvSpPr>
+          <p:cNvPr id="3" name="Content Placeholder 2"/>
+          <p:cNvSpPr>
+            <a:spLocks noGrp="1"/>
+          </p:cNvSpPr>
+          <p:nvPr>
+            <p:ph idx="1"/>
+          </p:nvPr>
+        </p:nvSpPr>
+        <p:spPr/>
+        <p:txBody>
+          <a:bodyPr/>
           <a:lstStyle/>
           <a:p>
             <a:r>
               <a:rPr lang="en-US" dirty="0"/>
-              <a:t>Preparation of documents and agreements </a:t>
-            </a:r>
-            <a:br>
+              <a:t>Easy to change and modify</a:t>
+            </a:r>
+          </a:p>
+          <a:p>
+            <a:r>
               <a:rPr lang="en-US" dirty="0"/>
-            </a:br>
-            <a:endParaRPr lang="en-US" dirty="0"/>
-          </a:p>
-        </p:txBody>
-      </p:sp>
-      <p:sp>
-        <p:nvSpPr>
-          <p:cNvPr id="3" name="Content Placeholder 2"/>
-          <p:cNvSpPr>
-            <a:spLocks noGrp="1"/>
-          </p:cNvSpPr>
-          <p:nvPr>
-            <p:ph idx="1"/>
-          </p:nvPr>
-        </p:nvSpPr>
-        <p:spPr/>
-        <p:txBody>
-          <a:bodyPr/>
-          <a:lstStyle/>
+              <a:t>Undo/ Redo </a:t>
+            </a:r>
+          </a:p>
           <a:p>
             <a:r>
               <a:rPr lang="en-US" dirty="0"/>
-              <a:t>Documentation signed:</a:t>
+              <a:t>Set simulation speed</a:t>
+            </a:r>
+          </a:p>
+          <a:p>
+            <a:r>
+              <a:rPr lang="en-US" dirty="0" smtClean="0"/>
+              <a:t>Save/Load grid</a:t>
+            </a:r>
+          </a:p>
+          <a:p>
+            <a:r>
+              <a:rPr lang="en-US" dirty="0" smtClean="0"/>
+              <a:t>Save results</a:t>
             </a:r>
           </a:p>
           <a:p>
@@ -10642,8 +9336,8 @@
               <a:buAutoNum type="arabicPeriod"/>
             </a:pPr>
             <a:r>
-              <a:rPr lang="en-US" dirty="0"/>
-              <a:t>Project Plan</a:t>
+              <a:rPr lang="en-US" dirty="0" smtClean="0"/>
+              <a:t>Export to Excel!</a:t>
             </a:r>
           </a:p>
           <a:p>
@@ -10652,31 +9346,9 @@
               <a:buAutoNum type="arabicPeriod"/>
             </a:pPr>
             <a:r>
-              <a:rPr lang="en-US" dirty="0"/>
-              <a:t>User Requirements Specification</a:t>
-            </a:r>
-          </a:p>
-          <a:p>
-            <a:pPr>
-              <a:buFont typeface="+mj-lt"/>
-              <a:buAutoNum type="arabicPeriod"/>
-            </a:pPr>
-            <a:r>
-              <a:rPr lang="en-US" dirty="0"/>
-              <a:t>Test Plan</a:t>
-            </a:r>
-          </a:p>
-          <a:p>
-            <a:pPr>
-              <a:buFont typeface="+mj-lt"/>
-              <a:buAutoNum type="arabicPeriod"/>
-            </a:pPr>
-            <a:r>
-              <a:rPr lang="en-US" dirty="0"/>
-              <a:t>Design Document</a:t>
-            </a:r>
-          </a:p>
-          <a:p>
+              <a:rPr lang="en-US" dirty="0" smtClean="0"/>
+              <a:t>Make a screenshot!</a:t>
+            </a:r>
             <a:endParaRPr lang="en-US" dirty="0"/>
           </a:p>
         </p:txBody>
@@ -10707,7 +9379,7 @@
     </p:spTree>
     <p:extLst>
       <p:ext uri="{BB962C8B-B14F-4D97-AF65-F5344CB8AC3E}">
-        <p14:creationId xmlns:p14="http://schemas.microsoft.com/office/powerpoint/2010/main" val="242311208"/>
+        <p14:creationId xmlns:p14="http://schemas.microsoft.com/office/powerpoint/2010/main" val="3913894660"/>
       </p:ext>
     </p:extLst>
   </p:cSld>
@@ -10759,260 +9431,114 @@
           <a:bodyPr/>
           <a:lstStyle/>
           <a:p>
+            <a:endParaRPr lang="en-US"/>
+          </a:p>
+        </p:txBody>
+      </p:sp>
+      <p:sp>
+        <p:nvSpPr>
+          <p:cNvPr id="3" name="Content Placeholder 2"/>
+          <p:cNvSpPr>
+            <a:spLocks noGrp="1"/>
+          </p:cNvSpPr>
+          <p:nvPr>
+            <p:ph idx="1"/>
+          </p:nvPr>
+        </p:nvSpPr>
+        <p:spPr/>
+        <p:txBody>
+          <a:bodyPr/>
+          <a:lstStyle/>
+          <a:p>
             <a:endParaRPr lang="en-US" dirty="0"/>
           </a:p>
         </p:txBody>
       </p:sp>
       <p:sp>
         <p:nvSpPr>
-          <p:cNvPr id="3" name="Content Placeholder 2"/>
-          <p:cNvSpPr>
-            <a:spLocks noGrp="1"/>
-          </p:cNvSpPr>
-          <p:nvPr>
-            <p:ph idx="1"/>
+          <p:cNvPr id="4" name="Footer Placeholder 3"/>
+          <p:cNvSpPr>
+            <a:spLocks noGrp="1"/>
+          </p:cNvSpPr>
+          <p:nvPr>
+            <p:ph type="ftr" sz="quarter" idx="11"/>
           </p:nvPr>
         </p:nvSpPr>
         <p:spPr/>
         <p:txBody>
-          <a:bodyPr>
-            <a:normAutofit/>
-          </a:bodyPr>
-          <a:lstStyle/>
-          <a:p>
-            <a:pPr marL="0" lvl="0" indent="0">
-              <a:buNone/>
-            </a:pPr>
-            <a:r>
-              <a:rPr lang="en-US" b="1" i="1" dirty="0"/>
-              <a:t>Create a simulation</a:t>
-            </a:r>
-          </a:p>
-          <a:p>
-            <a:r>
-              <a:rPr lang="en-US" dirty="0" smtClean="0"/>
-              <a:t>User </a:t>
-            </a:r>
-            <a:r>
-              <a:rPr lang="en-US" dirty="0"/>
-              <a:t>prompts the system to create a new simulation.</a:t>
-            </a:r>
-          </a:p>
-          <a:p>
-            <a:r>
-              <a:rPr lang="en-US" dirty="0"/>
-              <a:t>System empties the grid.</a:t>
-            </a:r>
-          </a:p>
-          <a:p>
-            <a:r>
-              <a:rPr lang="en-US" dirty="0"/>
-              <a:t>Extensions:</a:t>
-            </a:r>
-          </a:p>
-          <a:p>
-            <a:pPr marL="0" indent="0">
-              <a:buNone/>
-            </a:pPr>
-            <a:r>
-              <a:rPr lang="en-US" dirty="0"/>
-              <a:t>1a.Current grid is not empty.</a:t>
-            </a:r>
-          </a:p>
-          <a:p>
-            <a:pPr marL="0" indent="0">
-              <a:buNone/>
-            </a:pPr>
-            <a:r>
-              <a:rPr lang="en-US" dirty="0"/>
-              <a:t>	1a1. System prompts the user to save their changes.</a:t>
-            </a:r>
-            <a:br>
-              <a:rPr lang="en-US" dirty="0"/>
-            </a:br>
-            <a:r>
-              <a:rPr lang="en-US" dirty="0"/>
-              <a:t>		1a2. Case continues with 2.</a:t>
-            </a:r>
-          </a:p>
-          <a:p>
-            <a:pPr marL="0" indent="0">
-              <a:buNone/>
-            </a:pPr>
-            <a:r>
-              <a:rPr lang="en-US" dirty="0"/>
-              <a:t> </a:t>
-            </a:r>
-          </a:p>
-          <a:p>
-            <a:pPr marL="0" indent="0">
-              <a:buNone/>
-            </a:pPr>
-            <a:r>
-              <a:rPr lang="en-US" dirty="0"/>
-              <a:t>1b.Current grid is empty.</a:t>
-            </a:r>
-            <a:br>
-              <a:rPr lang="en-US" dirty="0"/>
-            </a:br>
-            <a:r>
-              <a:rPr lang="en-US" dirty="0"/>
-              <a:t>		1b1. System does nothing.</a:t>
-            </a:r>
-          </a:p>
-          <a:p>
-            <a:pPr marL="0" indent="0">
-              <a:buNone/>
-            </a:pPr>
+          <a:bodyPr/>
+          <a:lstStyle/>
+          <a:p>
+            <a:r>
+              <a:rPr lang="en-US" smtClean="0"/>
+              <a:t>Project Core phase June 2016</a:t>
+            </a:r>
             <a:endParaRPr lang="en-US" dirty="0"/>
           </a:p>
         </p:txBody>
       </p:sp>
       <p:sp>
         <p:nvSpPr>
-          <p:cNvPr id="4" name="Footer Placeholder 3"/>
-          <p:cNvSpPr>
-            <a:spLocks noGrp="1"/>
-          </p:cNvSpPr>
-          <p:nvPr>
-            <p:ph type="ftr" sz="quarter" idx="11"/>
-          </p:nvPr>
-        </p:nvSpPr>
-        <p:spPr/>
-        <p:txBody>
-          <a:bodyPr/>
-          <a:lstStyle/>
-          <a:p>
-            <a:r>
-              <a:rPr lang="en-US" smtClean="0"/>
-              <a:t>Project Core phase June 2016</a:t>
-            </a:r>
-            <a:endParaRPr lang="en-US" dirty="0"/>
-          </a:p>
-        </p:txBody>
-      </p:sp>
-    </p:spTree>
-    <p:extLst>
-      <p:ext uri="{BB962C8B-B14F-4D97-AF65-F5344CB8AC3E}">
-        <p14:creationId xmlns:p14="http://schemas.microsoft.com/office/powerpoint/2010/main" val="4254094590"/>
-      </p:ext>
-    </p:extLst>
-  </p:cSld>
-  <p:clrMapOvr>
-    <a:masterClrMapping/>
-  </p:clrMapOvr>
-  <p:transition spd="slow">
-    <p:push dir="u"/>
-  </p:transition>
-  <p:timing>
-    <p:tnLst>
-      <p:par>
-        <p:cTn id="1" dur="indefinite" restart="never" nodeType="tmRoot"/>
-      </p:par>
-    </p:tnLst>
-  </p:timing>
-</p:sld>
-</file>
-
-<file path=ppt/slides/slide9.xml><?xml version="1.0" encoding="utf-8"?>
-<p:sld xmlns:a="http://schemas.openxmlformats.org/drawingml/2006/main" xmlns:r="http://schemas.openxmlformats.org/officeDocument/2006/relationships" xmlns:p="http://schemas.openxmlformats.org/presentationml/2006/main">
-  <p:cSld>
-    <p:spTree>
-      <p:nvGrpSpPr>
-        <p:cNvPr id="1" name=""/>
-        <p:cNvGrpSpPr/>
-        <p:nvPr/>
-      </p:nvGrpSpPr>
-      <p:grpSpPr>
-        <a:xfrm>
-          <a:off x="0" y="0"/>
-          <a:ext cx="0" cy="0"/>
-          <a:chOff x="0" y="0"/>
-          <a:chExt cx="0" cy="0"/>
-        </a:xfrm>
-      </p:grpSpPr>
-      <p:sp>
-        <p:nvSpPr>
-          <p:cNvPr id="4" name="Footer Placeholder 3"/>
-          <p:cNvSpPr>
-            <a:spLocks noGrp="1"/>
-          </p:cNvSpPr>
-          <p:nvPr>
-            <p:ph type="ftr" sz="quarter" idx="11"/>
-          </p:nvPr>
-        </p:nvSpPr>
-        <p:spPr/>
-        <p:txBody>
-          <a:bodyPr/>
-          <a:lstStyle/>
-          <a:p>
-            <a:r>
-              <a:rPr lang="en-US" smtClean="0"/>
-              <a:t>Project Core phase June 2016</a:t>
-            </a:r>
-            <a:endParaRPr lang="en-US" dirty="0"/>
-          </a:p>
-        </p:txBody>
-      </p:sp>
-      <p:pic>
-        <p:nvPicPr>
-          <p:cNvPr id="5" name="Картина 8" descr="C:\Users\user\Desktop\ProCP\Renderable.JPG"/>
-          <p:cNvPicPr>
-            <a:picLocks noGrp="1"/>
-          </p:cNvPicPr>
-          <p:nvPr>
-            <p:ph idx="1"/>
-          </p:nvPr>
-        </p:nvPicPr>
-        <p:blipFill>
-          <a:blip r:embed="rId2" cstate="print"/>
-          <a:stretch>
-            <a:fillRect/>
-          </a:stretch>
-        </p:blipFill>
-        <p:spPr bwMode="auto">
+          <p:cNvPr id="5" name="Rectangle 4"/>
+          <p:cNvSpPr/>
+          <p:nvPr/>
+        </p:nvSpPr>
+        <p:spPr>
           <a:xfrm>
-            <a:off x="2589212" y="1736188"/>
-            <a:ext cx="8377340" cy="4223727"/>
+            <a:off x="3834811" y="2967335"/>
+            <a:ext cx="4522393" cy="923330"/>
           </a:xfrm>
           <a:prstGeom prst="rect">
             <a:avLst/>
           </a:prstGeom>
           <a:noFill/>
-          <a:ln w="9525">
-            <a:noFill/>
-            <a:miter lim="800000"/>
-            <a:headEnd/>
-            <a:tailEnd/>
-          </a:ln>
-          <a:effectLst>
-            <a:softEdge rad="127000"/>
-          </a:effectLst>
         </p:spPr>
-      </p:pic>
-      <p:sp>
-        <p:nvSpPr>
-          <p:cNvPr id="6" name="Title 5"/>
-          <p:cNvSpPr>
-            <a:spLocks noGrp="1"/>
-          </p:cNvSpPr>
-          <p:nvPr>
-            <p:ph type="title"/>
-          </p:nvPr>
-        </p:nvSpPr>
-        <p:spPr/>
-        <p:txBody>
-          <a:bodyPr/>
-          <a:lstStyle/>
-          <a:p>
-            <a:endParaRPr lang="en-US"/>
+        <p:txBody>
+          <a:bodyPr wrap="none" lIns="91440" tIns="45720" rIns="91440" bIns="45720">
+            <a:spAutoFit/>
+          </a:bodyPr>
+          <a:lstStyle/>
+          <a:p>
+            <a:pPr algn="ctr"/>
+            <a:r>
+              <a:rPr lang="en-US" sz="5400" b="1" dirty="0" smtClean="0">
+                <a:ln w="22225">
+                  <a:solidFill>
+                    <a:schemeClr val="accent2"/>
+                  </a:solidFill>
+                  <a:prstDash val="solid"/>
+                </a:ln>
+                <a:solidFill>
+                  <a:schemeClr val="accent2">
+                    <a:lumMod val="40000"/>
+                    <a:lumOff val="60000"/>
+                  </a:schemeClr>
+                </a:solidFill>
+              </a:rPr>
+              <a:t>Let’s demo…</a:t>
+            </a:r>
+            <a:endParaRPr lang="en-US" sz="5400" b="1" cap="none" spc="0" dirty="0">
+              <a:ln w="22225">
+                <a:solidFill>
+                  <a:schemeClr val="accent2"/>
+                </a:solidFill>
+                <a:prstDash val="solid"/>
+              </a:ln>
+              <a:solidFill>
+                <a:schemeClr val="accent2">
+                  <a:lumMod val="40000"/>
+                  <a:lumOff val="60000"/>
+                </a:schemeClr>
+              </a:solidFill>
+              <a:effectLst/>
+            </a:endParaRPr>
           </a:p>
         </p:txBody>
       </p:sp>
     </p:spTree>
     <p:extLst>
       <p:ext uri="{BB962C8B-B14F-4D97-AF65-F5344CB8AC3E}">
-        <p14:creationId xmlns:p14="http://schemas.microsoft.com/office/powerpoint/2010/main" val="2537899569"/>
+        <p14:creationId xmlns:p14="http://schemas.microsoft.com/office/powerpoint/2010/main" val="2362086543"/>
       </p:ext>
     </p:extLst>
   </p:cSld>
